--- a/Figure-5-2/Figure52/Figure52_fullslide_169.pptx
+++ b/Figure-5-2/Figure52/Figure52_fullslide_169.pptx
@@ -672,6 +672,70 @@
               <a:rPr/>
               <a:t>Title:</a:t>
             </a:r>
+            <a:r>
+              <a:rPr/>
+              <a:t> </a:t>
+            </a:r>
+            <a:r>
+              <a:rPr/>
+              <a:t>Voluntary</a:t>
+            </a:r>
+            <a:r>
+              <a:rPr/>
+              <a:t> </a:t>
+            </a:r>
+            <a:r>
+              <a:rPr/>
+              <a:t>post-tax</a:t>
+            </a:r>
+            <a:r>
+              <a:rPr/>
+              <a:t> </a:t>
+            </a:r>
+            <a:r>
+              <a:rPr/>
+              <a:t>contributions</a:t>
+            </a:r>
+            <a:r>
+              <a:rPr/>
+              <a:t> </a:t>
+            </a:r>
+            <a:r>
+              <a:rPr/>
+              <a:t>are</a:t>
+            </a:r>
+            <a:r>
+              <a:rPr/>
+              <a:t> </a:t>
+            </a:r>
+            <a:r>
+              <a:rPr/>
+              <a:t>made</a:t>
+            </a:r>
+            <a:r>
+              <a:rPr/>
+              <a:t> </a:t>
+            </a:r>
+            <a:r>
+              <a:rPr/>
+              <a:t>to</a:t>
+            </a:r>
+            <a:r>
+              <a:rPr/>
+              <a:t> </a:t>
+            </a:r>
+            <a:r>
+              <a:rPr/>
+              <a:t>high-balance</a:t>
+            </a:r>
+            <a:r>
+              <a:rPr/>
+              <a:t> </a:t>
+            </a:r>
+            <a:r>
+              <a:rPr/>
+              <a:t>accounts</a:t>
+            </a:r>
           </a:p>
           <a:p>
             <a:pPr lvl="0" marL="0" indent="0">
@@ -685,6 +749,372 @@
             <a:r>
               <a:rPr/>
               <a:t>Subtitle:</a:t>
+            </a:r>
+            <a:r>
+              <a:rPr/>
+              <a:t> </a:t>
+            </a:r>
+            <a:r>
+              <a:rPr/>
+              <a:t>Share</a:t>
+            </a:r>
+            <a:r>
+              <a:rPr/>
+              <a:t> </a:t>
+            </a:r>
+            <a:r>
+              <a:rPr/>
+              <a:t>of</a:t>
+            </a:r>
+            <a:r>
+              <a:rPr/>
+              <a:t> </a:t>
+            </a:r>
+            <a:r>
+              <a:rPr/>
+              <a:t>taxpayers</a:t>
+            </a:r>
+            <a:r>
+              <a:rPr/>
+              <a:t> </a:t>
+            </a:r>
+            <a:r>
+              <a:rPr/>
+              <a:t>and</a:t>
+            </a:r>
+            <a:r>
+              <a:rPr/>
+              <a:t> </a:t>
+            </a:r>
+            <a:r>
+              <a:rPr/>
+              <a:t>post-tax</a:t>
+            </a:r>
+            <a:r>
+              <a:rPr/>
+              <a:t> </a:t>
+            </a:r>
+            <a:r>
+              <a:rPr/>
+              <a:t>contributions,</a:t>
+            </a:r>
+            <a:r>
+              <a:rPr/>
+              <a:t> </a:t>
+            </a:r>
+            <a:r>
+              <a:rPr/>
+              <a:t>by</a:t>
+            </a:r>
+            <a:r>
+              <a:rPr/>
+              <a:t> </a:t>
+            </a:r>
+            <a:r>
+              <a:rPr/>
+              <a:t>existing</a:t>
+            </a:r>
+            <a:r>
+              <a:rPr/>
+              <a:t> </a:t>
+            </a:r>
+            <a:r>
+              <a:rPr/>
+              <a:t>superannuation</a:t>
+            </a:r>
+            <a:r>
+              <a:rPr/>
+              <a:t> </a:t>
+            </a:r>
+            <a:r>
+              <a:rPr/>
+              <a:t>balance</a:t>
+            </a:r>
+          </a:p>
+          <a:p>
+            <a:pPr lvl="0" marL="0" indent="0">
+              <a:buNone/>
+            </a:pPr>
+          </a:p>
+          <a:p>
+            <a:pPr lvl="0" marL="0" indent="0">
+              <a:buNone/>
+            </a:pPr>
+            <a:r>
+              <a:rPr/>
+              <a:t>Notes:</a:t>
+            </a:r>
+            <a:r>
+              <a:rPr/>
+              <a:t> </a:t>
+            </a:r>
+            <a:r>
+              <a:rPr/>
+              <a:t>Projections</a:t>
+            </a:r>
+            <a:r>
+              <a:rPr/>
+              <a:t> </a:t>
+            </a:r>
+            <a:r>
+              <a:rPr/>
+              <a:t>to</a:t>
+            </a:r>
+            <a:r>
+              <a:rPr/>
+              <a:t> </a:t>
+            </a:r>
+            <a:r>
+              <a:rPr/>
+              <a:t>2020-21</a:t>
+            </a:r>
+            <a:r>
+              <a:rPr/>
+              <a:t> </a:t>
+            </a:r>
+            <a:r>
+              <a:rPr/>
+              <a:t>assume</a:t>
+            </a:r>
+            <a:r>
+              <a:rPr/>
+              <a:t> </a:t>
+            </a:r>
+            <a:r>
+              <a:rPr/>
+              <a:t>2%</a:t>
+            </a:r>
+            <a:r>
+              <a:rPr/>
+              <a:t> </a:t>
+            </a:r>
+            <a:r>
+              <a:rPr/>
+              <a:t>wage</a:t>
+            </a:r>
+            <a:r>
+              <a:rPr/>
+              <a:t> </a:t>
+            </a:r>
+            <a:r>
+              <a:rPr/>
+              <a:t>growth</a:t>
+            </a:r>
+            <a:r>
+              <a:rPr/>
+              <a:t> </a:t>
+            </a:r>
+            <a:r>
+              <a:rPr/>
+              <a:t>and</a:t>
+            </a:r>
+            <a:r>
+              <a:rPr/>
+              <a:t> </a:t>
+            </a:r>
+            <a:r>
+              <a:rPr/>
+              <a:t>0%</a:t>
+            </a:r>
+            <a:r>
+              <a:rPr/>
+              <a:t> </a:t>
+            </a:r>
+            <a:r>
+              <a:rPr/>
+              <a:t>growth</a:t>
+            </a:r>
+            <a:r>
+              <a:rPr/>
+              <a:t> </a:t>
+            </a:r>
+            <a:r>
+              <a:rPr/>
+              <a:t>in</a:t>
+            </a:r>
+            <a:r>
+              <a:rPr/>
+              <a:t> </a:t>
+            </a:r>
+            <a:r>
+              <a:rPr/>
+              <a:t>the</a:t>
+            </a:r>
+            <a:r>
+              <a:rPr/>
+              <a:t> </a:t>
+            </a:r>
+            <a:r>
+              <a:rPr/>
+              <a:t>number</a:t>
+            </a:r>
+            <a:r>
+              <a:rPr/>
+              <a:t> </a:t>
+            </a:r>
+            <a:r>
+              <a:rPr/>
+              <a:t>of</a:t>
+            </a:r>
+            <a:r>
+              <a:rPr/>
+              <a:t> </a:t>
+            </a:r>
+            <a:r>
+              <a:rPr/>
+              <a:t>taxfilers</a:t>
+            </a:r>
+            <a:r>
+              <a:rPr/>
+              <a:t> </a:t>
+            </a:r>
+            <a:r>
+              <a:rPr/>
+              <a:t>from</a:t>
+            </a:r>
+            <a:r>
+              <a:rPr/>
+              <a:t> </a:t>
+            </a:r>
+            <a:r>
+              <a:rPr/>
+              <a:t>2019-20</a:t>
+            </a:r>
+            <a:r>
+              <a:rPr/>
+              <a:t> </a:t>
+            </a:r>
+            <a:r>
+              <a:rPr/>
+              <a:t>to</a:t>
+            </a:r>
+            <a:r>
+              <a:rPr/>
+              <a:t> </a:t>
+            </a:r>
+            <a:r>
+              <a:rPr/>
+              <a:t>2020-21.</a:t>
+            </a:r>
+            <a:r>
+              <a:rPr/>
+              <a:t> </a:t>
+            </a:r>
+            <a:r>
+              <a:rPr/>
+              <a:t>Post-tax</a:t>
+            </a:r>
+            <a:r>
+              <a:rPr/>
+              <a:t> </a:t>
+            </a:r>
+            <a:r>
+              <a:rPr/>
+              <a:t>contributions</a:t>
+            </a:r>
+            <a:r>
+              <a:rPr/>
+              <a:t> </a:t>
+            </a:r>
+            <a:r>
+              <a:rPr/>
+              <a:t>equals</a:t>
+            </a:r>
+            <a:r>
+              <a:rPr/>
+              <a:t> </a:t>
+            </a:r>
+            <a:r>
+              <a:rPr/>
+              <a:t>personal</a:t>
+            </a:r>
+            <a:r>
+              <a:rPr/>
+              <a:t> </a:t>
+            </a:r>
+            <a:r>
+              <a:rPr/>
+              <a:t>contributions</a:t>
+            </a:r>
+            <a:r>
+              <a:rPr/>
+              <a:t> </a:t>
+            </a:r>
+            <a:r>
+              <a:rPr/>
+              <a:t>less</a:t>
+            </a:r>
+            <a:r>
+              <a:rPr/>
+              <a:t> </a:t>
+            </a:r>
+            <a:r>
+              <a:rPr/>
+              <a:t>non-employer</a:t>
+            </a:r>
+            <a:r>
+              <a:rPr/>
+              <a:t> </a:t>
+            </a:r>
+            <a:r>
+              <a:rPr/>
+              <a:t>super</a:t>
+            </a:r>
+            <a:r>
+              <a:rPr/>
+              <a:t> </a:t>
+            </a:r>
+            <a:r>
+              <a:rPr/>
+              <a:t>contributions.</a:t>
+            </a:r>
+            <a:r>
+              <a:rPr/>
+              <a:t> </a:t>
+            </a:r>
+            <a:r>
+              <a:rPr/>
+              <a:t>Source:</a:t>
+            </a:r>
+            <a:r>
+              <a:rPr/>
+              <a:t> </a:t>
+            </a:r>
+            <a:r>
+              <a:rPr/>
+              <a:t>ATO</a:t>
+            </a:r>
+            <a:r>
+              <a:rPr/>
+              <a:t> </a:t>
+            </a:r>
+            <a:r>
+              <a:rPr/>
+              <a:t>2017-18</a:t>
+            </a:r>
+            <a:r>
+              <a:rPr/>
+              <a:t> </a:t>
+            </a:r>
+            <a:r>
+              <a:rPr/>
+              <a:t>2%</a:t>
+            </a:r>
+            <a:r>
+              <a:rPr/>
+              <a:t> </a:t>
+            </a:r>
+            <a:r>
+              <a:rPr/>
+              <a:t>sample</a:t>
+            </a:r>
+            <a:r>
+              <a:rPr/>
+              <a:t> </a:t>
+            </a:r>
+            <a:r>
+              <a:rPr/>
+              <a:t>file</a:t>
             </a:r>
           </a:p>
           <a:p>
@@ -3943,7 +4373,7 @@
           <a:p>
             <a:r>
               <a:rPr/>
-              <a:t> </a:t>
+              <a:t>Voluntary post-tax contributions are made to high-balance accounts</a:t>
             </a:r>
           </a:p>
         </p:txBody>
@@ -3970,7 +4400,7 @@
           <a:p>
             <a:r>
               <a:rPr/>
-              <a:t> </a:t>
+              <a:t>Share of taxpayers and post-tax contributions, by existing superannuation balance</a:t>
             </a:r>
           </a:p>
         </p:txBody>
@@ -4032,8 +4462,8 @@
           </p:nvSpPr>
           <p:spPr>
             <a:xfrm>
-              <a:off x="850747" y="1412776"/>
-              <a:ext cx="10800000" cy="5445224"/>
+              <a:off x="11650748" y="1412776"/>
+              <a:ext cx="0" cy="5445224"/>
             </a:xfrm>
             <a:prstGeom prst="rect">
               <a:avLst/>
@@ -4058,8 +4488,8 @@
           </p:nvSpPr>
           <p:spPr>
             <a:xfrm>
-              <a:off x="1539733" y="1504216"/>
-              <a:ext cx="10001286" cy="5021265"/>
+              <a:off x="1539733" y="1504215"/>
+              <a:ext cx="10001286" cy="4439912"/>
             </a:xfrm>
             <a:prstGeom prst="rect">
               <a:avLst/>
@@ -4084,7 +4514,7 @@
           </p:nvSpPr>
           <p:spPr>
             <a:xfrm>
-              <a:off x="1539733" y="6525481"/>
+              <a:off x="1539733" y="5944128"/>
               <a:ext cx="10001286" cy="0"/>
             </a:xfrm>
             <a:custGeom>
@@ -4127,7 +4557,7 @@
           </p:nvSpPr>
           <p:spPr>
             <a:xfrm>
-              <a:off x="1539733" y="5288716"/>
+              <a:off x="1539733" y="4850554"/>
               <a:ext cx="10001286" cy="0"/>
             </a:xfrm>
             <a:custGeom>
@@ -4170,7 +4600,7 @@
           </p:nvSpPr>
           <p:spPr>
             <a:xfrm>
-              <a:off x="1539733" y="4051951"/>
+              <a:off x="1539733" y="3756979"/>
               <a:ext cx="10001286" cy="0"/>
             </a:xfrm>
             <a:custGeom>
@@ -4213,7 +4643,7 @@
           </p:nvSpPr>
           <p:spPr>
             <a:xfrm>
-              <a:off x="1539733" y="2815186"/>
+              <a:off x="1539733" y="2663404"/>
               <a:ext cx="10001286" cy="0"/>
             </a:xfrm>
             <a:custGeom>
@@ -4256,7 +4686,7 @@
           </p:nvSpPr>
           <p:spPr>
             <a:xfrm>
-              <a:off x="1539733" y="1578421"/>
+              <a:off x="1539733" y="1569830"/>
               <a:ext cx="10001286" cy="0"/>
             </a:xfrm>
             <a:custGeom>
@@ -4299,14 +4729,14 @@
           </p:nvSpPr>
           <p:spPr>
             <a:xfrm>
-              <a:off x="2221639" y="3404019"/>
-              <a:ext cx="4091435" cy="3121461"/>
+              <a:off x="2221639" y="3184064"/>
+              <a:ext cx="4091435" cy="2760064"/>
             </a:xfrm>
             <a:prstGeom prst="rect">
               <a:avLst/>
             </a:prstGeom>
             <a:solidFill>
-              <a:srgbClr val="FFE07F">
+              <a:srgbClr val="FFFFFF">
                 <a:alpha val="100000"/>
               </a:srgbClr>
             </a:solidFill>
@@ -4334,8 +4764,8 @@
           </p:nvSpPr>
           <p:spPr>
             <a:xfrm>
-              <a:off x="2221639" y="2383511"/>
-              <a:ext cx="4091435" cy="1020508"/>
+              <a:off x="2221639" y="2281708"/>
+              <a:ext cx="4091435" cy="902355"/>
             </a:xfrm>
             <a:prstGeom prst="rect">
               <a:avLst/>
@@ -4369,8 +4799,8 @@
           </p:nvSpPr>
           <p:spPr>
             <a:xfrm>
-              <a:off x="2221639" y="1941249"/>
-              <a:ext cx="4091435" cy="442261"/>
+              <a:off x="2221639" y="1890650"/>
+              <a:ext cx="4091435" cy="391057"/>
             </a:xfrm>
             <a:prstGeom prst="rect">
               <a:avLst/>
@@ -4404,8 +4834,8 @@
           </p:nvSpPr>
           <p:spPr>
             <a:xfrm>
-              <a:off x="2221639" y="1786739"/>
-              <a:ext cx="4091435" cy="154510"/>
+              <a:off x="2221639" y="1754029"/>
+              <a:ext cx="4091435" cy="136621"/>
             </a:xfrm>
             <a:prstGeom prst="rect">
               <a:avLst/>
@@ -4439,8 +4869,8 @@
           </p:nvSpPr>
           <p:spPr>
             <a:xfrm>
-              <a:off x="2221639" y="1712027"/>
-              <a:ext cx="4091435" cy="74711"/>
+              <a:off x="2221639" y="1687967"/>
+              <a:ext cx="4091435" cy="66061"/>
             </a:xfrm>
             <a:prstGeom prst="rect">
               <a:avLst/>
@@ -4474,8 +4904,8 @@
           </p:nvSpPr>
           <p:spPr>
             <a:xfrm>
-              <a:off x="2221639" y="1617053"/>
-              <a:ext cx="4091435" cy="94973"/>
+              <a:off x="2221639" y="1603989"/>
+              <a:ext cx="4091435" cy="83977"/>
             </a:xfrm>
             <a:prstGeom prst="rect">
               <a:avLst/>
@@ -4509,8 +4939,8 @@
           </p:nvSpPr>
           <p:spPr>
             <a:xfrm>
-              <a:off x="2221639" y="1578421"/>
-              <a:ext cx="4091435" cy="38631"/>
+              <a:off x="2221639" y="1569830"/>
+              <a:ext cx="4091435" cy="34159"/>
             </a:xfrm>
             <a:prstGeom prst="rect">
               <a:avLst/>
@@ -4544,14 +4974,14 @@
           </p:nvSpPr>
           <p:spPr>
             <a:xfrm>
-              <a:off x="6767678" y="6274299"/>
-              <a:ext cx="4091435" cy="251181"/>
+              <a:off x="6767678" y="5722028"/>
+              <a:ext cx="4091435" cy="222100"/>
             </a:xfrm>
             <a:prstGeom prst="rect">
               <a:avLst/>
             </a:prstGeom>
             <a:solidFill>
-              <a:srgbClr val="FFE07F">
+              <a:srgbClr val="FFFFFF">
                 <a:alpha val="100000"/>
               </a:srgbClr>
             </a:solidFill>
@@ -4579,8 +5009,8 @@
           </p:nvSpPr>
           <p:spPr>
             <a:xfrm>
-              <a:off x="6767678" y="5652518"/>
-              <a:ext cx="4091435" cy="621781"/>
+              <a:off x="6767678" y="5172235"/>
+              <a:ext cx="4091435" cy="549792"/>
             </a:xfrm>
             <a:prstGeom prst="rect">
               <a:avLst/>
@@ -4614,8 +5044,8 @@
           </p:nvSpPr>
           <p:spPr>
             <a:xfrm>
-              <a:off x="6767678" y="4414340"/>
-              <a:ext cx="4091435" cy="1238177"/>
+              <a:off x="6767678" y="4077411"/>
+              <a:ext cx="4091435" cy="1094823"/>
             </a:xfrm>
             <a:prstGeom prst="rect">
               <a:avLst/>
@@ -4649,8 +5079,8 @@
           </p:nvSpPr>
           <p:spPr>
             <a:xfrm>
-              <a:off x="6767678" y="3456198"/>
-              <a:ext cx="4091435" cy="958141"/>
+              <a:off x="6767678" y="3230201"/>
+              <a:ext cx="4091435" cy="847209"/>
             </a:xfrm>
             <a:prstGeom prst="rect">
               <a:avLst/>
@@ -4684,8 +5114,8 @@
           </p:nvSpPr>
           <p:spPr>
             <a:xfrm>
-              <a:off x="6767678" y="2826260"/>
-              <a:ext cx="4091435" cy="629938"/>
+              <a:off x="6767678" y="2673196"/>
+              <a:ext cx="4091435" cy="557005"/>
             </a:xfrm>
             <a:prstGeom prst="rect">
               <a:avLst/>
@@ -4719,8 +5149,8 @@
           </p:nvSpPr>
           <p:spPr>
             <a:xfrm>
-              <a:off x="6767678" y="1724738"/>
-              <a:ext cx="4091435" cy="1101521"/>
+              <a:off x="6767678" y="1699206"/>
+              <a:ext cx="4091435" cy="973989"/>
             </a:xfrm>
             <a:prstGeom prst="rect">
               <a:avLst/>
@@ -4754,8 +5184,8 @@
           </p:nvSpPr>
           <p:spPr>
             <a:xfrm>
-              <a:off x="6767678" y="1578421"/>
-              <a:ext cx="4091435" cy="146316"/>
+              <a:off x="6767678" y="1569830"/>
+              <a:ext cx="4091435" cy="129376"/>
             </a:xfrm>
             <a:prstGeom prst="rect">
               <a:avLst/>
@@ -4789,7 +5219,7 @@
           </p:nvSpPr>
           <p:spPr>
             <a:xfrm>
-              <a:off x="3263213" y="4835493"/>
+              <a:off x="3263213" y="4434839"/>
               <a:ext cx="2008286" cy="211075"/>
             </a:xfrm>
             <a:prstGeom prst="rect">
@@ -4826,7 +5256,7 @@
           </p:nvSpPr>
           <p:spPr>
             <a:xfrm>
-              <a:off x="3155053" y="2764508"/>
+              <a:off x="3155053" y="2603629"/>
               <a:ext cx="2224608" cy="211075"/>
             </a:xfrm>
             <a:prstGeom prst="rect">
@@ -4863,7 +5293,7 @@
           </p:nvSpPr>
           <p:spPr>
             <a:xfrm>
-              <a:off x="3155053" y="2033123"/>
+              <a:off x="3155053" y="1956922"/>
               <a:ext cx="2224608" cy="211075"/>
             </a:xfrm>
             <a:prstGeom prst="rect">
@@ -4900,7 +5330,7 @@
           </p:nvSpPr>
           <p:spPr>
             <a:xfrm>
-              <a:off x="3155053" y="1734737"/>
+              <a:off x="3155053" y="1693082"/>
               <a:ext cx="2224608" cy="211075"/>
             </a:xfrm>
             <a:prstGeom prst="rect">
@@ -4937,7 +5367,7 @@
           </p:nvSpPr>
           <p:spPr>
             <a:xfrm>
-              <a:off x="3148969" y="1620126"/>
+              <a:off x="3148969" y="1591741"/>
               <a:ext cx="2236775" cy="211075"/>
             </a:xfrm>
             <a:prstGeom prst="rect">
@@ -4974,7 +5404,7 @@
           </p:nvSpPr>
           <p:spPr>
             <a:xfrm>
-              <a:off x="3142886" y="1544101"/>
+              <a:off x="3142886" y="1525539"/>
               <a:ext cx="2248941" cy="202257"/>
             </a:xfrm>
             <a:prstGeom prst="rect">
@@ -5011,7 +5441,7 @@
           </p:nvSpPr>
           <p:spPr>
             <a:xfrm>
-              <a:off x="3238154" y="1477298"/>
+              <a:off x="3238154" y="1466470"/>
               <a:ext cx="2058404" cy="202257"/>
             </a:xfrm>
             <a:prstGeom prst="rect">
@@ -5048,7 +5478,7 @@
           </p:nvSpPr>
           <p:spPr>
             <a:xfrm>
-              <a:off x="7809253" y="6270633"/>
+              <a:off x="7809253" y="5703821"/>
               <a:ext cx="2008286" cy="211075"/>
             </a:xfrm>
             <a:prstGeom prst="rect">
@@ -5094,7 +5524,7 @@
           </p:nvSpPr>
           <p:spPr>
             <a:xfrm>
-              <a:off x="7701092" y="5834151"/>
+              <a:off x="7701092" y="5317874"/>
               <a:ext cx="2224608" cy="211075"/>
             </a:xfrm>
             <a:prstGeom prst="rect">
@@ -5140,7 +5570,7 @@
           </p:nvSpPr>
           <p:spPr>
             <a:xfrm>
-              <a:off x="7701092" y="4904172"/>
+              <a:off x="7701092" y="4495566"/>
               <a:ext cx="2224608" cy="211075"/>
             </a:xfrm>
             <a:prstGeom prst="rect">
@@ -5186,7 +5616,7 @@
           </p:nvSpPr>
           <p:spPr>
             <a:xfrm>
-              <a:off x="7701092" y="3806012"/>
+              <a:off x="7701092" y="3524549"/>
               <a:ext cx="2224608" cy="211075"/>
             </a:xfrm>
             <a:prstGeom prst="rect">
@@ -5232,7 +5662,7 @@
           </p:nvSpPr>
           <p:spPr>
             <a:xfrm>
-              <a:off x="7695008" y="3011972"/>
+              <a:off x="7695008" y="2822442"/>
               <a:ext cx="2236775" cy="211075"/>
             </a:xfrm>
             <a:prstGeom prst="rect">
@@ -5278,7 +5708,7 @@
           </p:nvSpPr>
           <p:spPr>
             <a:xfrm>
-              <a:off x="7688925" y="2155060"/>
+              <a:off x="7688925" y="2065762"/>
               <a:ext cx="2248941" cy="202257"/>
             </a:xfrm>
             <a:prstGeom prst="rect">
@@ -5324,7 +5754,7 @@
           </p:nvSpPr>
           <p:spPr>
             <a:xfrm>
-              <a:off x="7784194" y="1531140"/>
+              <a:off x="7784194" y="1514079"/>
               <a:ext cx="2058404" cy="202257"/>
             </a:xfrm>
             <a:prstGeom prst="rect">
@@ -5370,7 +5800,7 @@
           </p:nvSpPr>
           <p:spPr>
             <a:xfrm>
-              <a:off x="1106849" y="6434844"/>
+              <a:off x="1106849" y="5853492"/>
               <a:ext cx="330398" cy="172454"/>
             </a:xfrm>
             <a:prstGeom prst="rect">
@@ -5416,7 +5846,7 @@
           </p:nvSpPr>
           <p:spPr>
             <a:xfrm>
-              <a:off x="979713" y="5198079"/>
+              <a:off x="979713" y="4759917"/>
               <a:ext cx="457534" cy="172454"/>
             </a:xfrm>
             <a:prstGeom prst="rect">
@@ -5462,7 +5892,7 @@
           </p:nvSpPr>
           <p:spPr>
             <a:xfrm>
-              <a:off x="979713" y="3961315"/>
+              <a:off x="979713" y="3666343"/>
               <a:ext cx="457534" cy="172454"/>
             </a:xfrm>
             <a:prstGeom prst="rect">
@@ -5508,7 +5938,7 @@
           </p:nvSpPr>
           <p:spPr>
             <a:xfrm>
-              <a:off x="979713" y="2724550"/>
+              <a:off x="979713" y="2572768"/>
               <a:ext cx="457534" cy="172454"/>
             </a:xfrm>
             <a:prstGeom prst="rect">
@@ -5554,7 +5984,7 @@
           </p:nvSpPr>
           <p:spPr>
             <a:xfrm>
-              <a:off x="852576" y="1487785"/>
+              <a:off x="852576" y="1479194"/>
               <a:ext cx="584671" cy="172454"/>
             </a:xfrm>
             <a:prstGeom prst="rect">
@@ -5600,7 +6030,7 @@
           </p:nvSpPr>
           <p:spPr>
             <a:xfrm>
-              <a:off x="1539733" y="6525481"/>
+              <a:off x="1539733" y="5944128"/>
               <a:ext cx="10001286" cy="0"/>
             </a:xfrm>
             <a:custGeom>
@@ -5640,7 +6070,7 @@
           </p:nvSpPr>
           <p:spPr>
             <a:xfrm>
-              <a:off x="4267357" y="6525481"/>
+              <a:off x="4267357" y="5944128"/>
               <a:ext cx="0" cy="56936"/>
             </a:xfrm>
             <a:custGeom>
@@ -5680,7 +6110,7 @@
           </p:nvSpPr>
           <p:spPr>
             <a:xfrm>
-              <a:off x="8813396" y="6525481"/>
+              <a:off x="8813396" y="5944128"/>
               <a:ext cx="0" cy="56936"/>
             </a:xfrm>
             <a:custGeom>
@@ -5720,7 +6150,7 @@
           </p:nvSpPr>
           <p:spPr>
             <a:xfrm>
-              <a:off x="3835495" y="6622497"/>
+              <a:off x="3835495" y="6041144"/>
               <a:ext cx="863724" cy="169105"/>
             </a:xfrm>
             <a:prstGeom prst="rect">
@@ -5766,7 +6196,7 @@
           </p:nvSpPr>
           <p:spPr>
             <a:xfrm>
-              <a:off x="7714319" y="6625287"/>
+              <a:off x="7714319" y="6043935"/>
               <a:ext cx="2198154" cy="166315"/>
             </a:xfrm>
             <a:prstGeom prst="rect">
@@ -5800,6 +6230,144 @@
                   <a:cs typeface="Arial"/>
                 </a:rPr>
                 <a:t>Post-tax contributions</a:t>
+              </a:r>
+            </a:p>
+          </p:txBody>
+        </p:sp>
+        <p:sp>
+          <p:nvSpPr>
+            <p:cNvPr id="51" name="tx49"/>
+            <p:cNvSpPr/>
+            <p:nvPr/>
+          </p:nvSpPr>
+          <p:spPr>
+            <a:xfrm>
+              <a:off x="852576" y="6420270"/>
+              <a:ext cx="9838171" cy="118695"/>
+            </a:xfrm>
+            <a:prstGeom prst="rect">
+              <a:avLst/>
+            </a:prstGeom>
+            <a:noFill/>
+          </p:spPr>
+          <p:txBody>
+            <a:bodyPr lIns="0" rIns="0" tIns="0" bIns="0" anchorCtr="1" anchor="ctr" wrap="none"/>
+            <a:lstStyle/>
+            <a:p>
+              <a:pPr algn="l" marL="0" marR="0" indent="0">
+                <a:lnSpc>
+                  <a:spcPts val="999"/>
+                </a:lnSpc>
+                <a:spcBef>
+                  <a:spcPts val="0"/>
+                </a:spcBef>
+                <a:spcAft>
+                  <a:spcPts val="0"/>
+                </a:spcAft>
+              </a:pPr>
+              <a:r>
+                <a:rPr sz="999" i="1">
+                  <a:solidFill>
+                    <a:srgbClr val="000000">
+                      <a:alpha val="100000"/>
+                    </a:srgbClr>
+                  </a:solidFill>
+                  <a:latin typeface="Arial"/>
+                  <a:cs typeface="Arial"/>
+                </a:rPr>
+                <a:t>Notes: Projections to 2020-21 assume 2% wage growth and 0% growth in the number of taxfilers from 2019-20 to 2020-21. Post-tax contributions equals personal contributions</a:t>
+              </a:r>
+            </a:p>
+          </p:txBody>
+        </p:sp>
+        <p:sp>
+          <p:nvSpPr>
+            <p:cNvPr id="52" name="tx50"/>
+            <p:cNvSpPr/>
+            <p:nvPr/>
+          </p:nvSpPr>
+          <p:spPr>
+            <a:xfrm>
+              <a:off x="852576" y="6558470"/>
+              <a:ext cx="2179080" cy="117518"/>
+            </a:xfrm>
+            <a:prstGeom prst="rect">
+              <a:avLst/>
+            </a:prstGeom>
+            <a:noFill/>
+          </p:spPr>
+          <p:txBody>
+            <a:bodyPr lIns="0" rIns="0" tIns="0" bIns="0" anchorCtr="1" anchor="ctr" wrap="none"/>
+            <a:lstStyle/>
+            <a:p>
+              <a:pPr algn="l" marL="0" marR="0" indent="0">
+                <a:lnSpc>
+                  <a:spcPts val="999"/>
+                </a:lnSpc>
+                <a:spcBef>
+                  <a:spcPts val="0"/>
+                </a:spcBef>
+                <a:spcAft>
+                  <a:spcPts val="0"/>
+                </a:spcAft>
+              </a:pPr>
+              <a:r>
+                <a:rPr sz="999" i="1">
+                  <a:solidFill>
+                    <a:srgbClr val="000000">
+                      <a:alpha val="100000"/>
+                    </a:srgbClr>
+                  </a:solidFill>
+                  <a:latin typeface="Arial"/>
+                  <a:cs typeface="Arial"/>
+                </a:rPr>
+                <a:t>less non-employer super contributions.</a:t>
+              </a:r>
+            </a:p>
+          </p:txBody>
+        </p:sp>
+        <p:sp>
+          <p:nvSpPr>
+            <p:cNvPr id="53" name="tx51"/>
+            <p:cNvSpPr/>
+            <p:nvPr/>
+          </p:nvSpPr>
+          <p:spPr>
+            <a:xfrm>
+              <a:off x="852576" y="6695431"/>
+              <a:ext cx="2094457" cy="117580"/>
+            </a:xfrm>
+            <a:prstGeom prst="rect">
+              <a:avLst/>
+            </a:prstGeom>
+            <a:noFill/>
+          </p:spPr>
+          <p:txBody>
+            <a:bodyPr lIns="0" rIns="0" tIns="0" bIns="0" anchorCtr="1" anchor="ctr" wrap="none"/>
+            <a:lstStyle/>
+            <a:p>
+              <a:pPr algn="l" marL="0" marR="0" indent="0">
+                <a:lnSpc>
+                  <a:spcPts val="999"/>
+                </a:lnSpc>
+                <a:spcBef>
+                  <a:spcPts val="0"/>
+                </a:spcBef>
+                <a:spcAft>
+                  <a:spcPts val="0"/>
+                </a:spcAft>
+              </a:pPr>
+              <a:r>
+                <a:rPr sz="999" i="1">
+                  <a:solidFill>
+                    <a:srgbClr val="000000">
+                      <a:alpha val="100000"/>
+                    </a:srgbClr>
+                  </a:solidFill>
+                  <a:latin typeface="Arial"/>
+                  <a:cs typeface="Arial"/>
+                </a:rPr>
+                <a:t>Source: ATO 2017-18 2% sample file</a:t>
               </a:r>
             </a:p>
           </p:txBody>
